--- a/presentation_2nd.pptx
+++ b/presentation_2nd.pptx
@@ -4039,7 +4039,7 @@
           <a:p>
             <a:fld id="{5AB360EB-EED5-E74A-9E1B-64442734BBCE}" type="datetimeFigureOut">
               <a:rPr kumimoji="1" lang="ja-JP" altLang="en-US" smtClean="0"/>
-              <a:t>2018/5/31</a:t>
+              <a:t>2018/6/5</a:t>
             </a:fld>
             <a:endParaRPr kumimoji="1" lang="ja-JP" altLang="en-US"/>
           </a:p>
@@ -5439,7 +5439,7 @@
           <a:p>
             <a:fld id="{4920C136-7FFD-4B99-9F10-B0C455E4DCE4}" type="datetime1">
               <a:rPr lang="ja-JP" altLang="en-US" smtClean="0"/>
-              <a:t>2018/5/31</a:t>
+              <a:t>2018/6/5</a:t>
             </a:fld>
             <a:endParaRPr lang="ja-JP" altLang="en-US"/>
           </a:p>
@@ -5721,7 +5721,7 @@
           <a:p>
             <a:fld id="{7BCB175B-1B65-4F49-8F2B-96DFC8EC5AA9}" type="datetime1">
               <a:rPr kumimoji="1" lang="ja-JP" altLang="en-US" smtClean="0"/>
-              <a:t>2018/5/31</a:t>
+              <a:t>2018/6/5</a:t>
             </a:fld>
             <a:endParaRPr kumimoji="1" lang="ja-JP" altLang="en-US"/>
           </a:p>
@@ -5931,7 +5931,7 @@
           <a:p>
             <a:fld id="{A76C977F-E312-4C26-BA3B-E1C3178424DF}" type="datetime1">
               <a:rPr kumimoji="1" lang="ja-JP" altLang="en-US" smtClean="0"/>
-              <a:t>2018/5/31</a:t>
+              <a:t>2018/6/5</a:t>
             </a:fld>
             <a:endParaRPr kumimoji="1" lang="ja-JP" altLang="en-US"/>
           </a:p>
@@ -6151,7 +6151,7 @@
           <a:p>
             <a:fld id="{1C3EFCA0-1735-47AB-9DED-FB4B09783554}" type="datetime1">
               <a:rPr kumimoji="1" lang="ja-JP" altLang="en-US" smtClean="0"/>
-              <a:t>2018/5/31</a:t>
+              <a:t>2018/6/5</a:t>
             </a:fld>
             <a:endParaRPr kumimoji="1" lang="ja-JP" altLang="en-US"/>
           </a:p>
@@ -6254,7 +6254,7 @@
           <a:p>
             <a:fld id="{5ADF1710-6306-4D7E-9276-861F0F5B15B3}" type="datetime1">
               <a:rPr lang="ja-JP" altLang="en-US" smtClean="0"/>
-              <a:t>2018/5/31</a:t>
+              <a:t>2018/6/5</a:t>
             </a:fld>
             <a:endParaRPr lang="ja-JP" altLang="en-US"/>
           </a:p>
@@ -6554,7 +6554,7 @@
           <a:p>
             <a:fld id="{BEE17DCE-E512-4FBB-B3A2-2CE2AF78648A}" type="datetime1">
               <a:rPr lang="ja-JP" altLang="en-US" smtClean="0"/>
-              <a:t>2018/5/31</a:t>
+              <a:t>2018/6/5</a:t>
             </a:fld>
             <a:endParaRPr lang="ja-JP" altLang="en-US"/>
           </a:p>
@@ -6703,7 +6703,7 @@
           <a:p>
             <a:fld id="{5BF63A4F-9011-46E5-9BF4-125C0F6D36D1}" type="datetime1">
               <a:rPr kumimoji="1" lang="ja-JP" altLang="en-US" smtClean="0"/>
-              <a:t>2018/5/31</a:t>
+              <a:t>2018/6/5</a:t>
             </a:fld>
             <a:endParaRPr kumimoji="1" lang="ja-JP" altLang="en-US"/>
           </a:p>
@@ -7459,7 +7459,7 @@
           <a:p>
             <a:fld id="{387B5743-A319-49BC-8A6B-2E5E377FE5C8}" type="datetime1">
               <a:rPr kumimoji="1" lang="ja-JP" altLang="en-US" smtClean="0"/>
-              <a:t>2018/5/31</a:t>
+              <a:t>2018/6/5</a:t>
             </a:fld>
             <a:endParaRPr kumimoji="1" lang="ja-JP" altLang="en-US"/>
           </a:p>
@@ -7898,7 +7898,7 @@
           <a:p>
             <a:fld id="{598F0631-E9D3-47C9-B58A-777BFC0A38C0}" type="datetime1">
               <a:rPr kumimoji="1" lang="ja-JP" altLang="en-US" smtClean="0"/>
-              <a:t>2018/5/31</a:t>
+              <a:t>2018/6/5</a:t>
             </a:fld>
             <a:endParaRPr kumimoji="1" lang="ja-JP" altLang="en-US"/>
           </a:p>
@@ -8024,7 +8024,7 @@
           <a:p>
             <a:fld id="{BEDD01EA-B639-4352-B605-7FAB0B612417}" type="datetime1">
               <a:rPr kumimoji="1" lang="ja-JP" altLang="en-US" smtClean="0"/>
-              <a:t>2018/5/31</a:t>
+              <a:t>2018/6/5</a:t>
             </a:fld>
             <a:endParaRPr kumimoji="1" lang="ja-JP" altLang="en-US"/>
           </a:p>
@@ -8127,7 +8127,7 @@
           <a:p>
             <a:fld id="{071E5245-5D7C-4BDF-AE54-113FCAD120EA}" type="datetime1">
               <a:rPr kumimoji="1" lang="ja-JP" altLang="en-US" smtClean="0"/>
-              <a:t>2018/5/31</a:t>
+              <a:t>2018/6/5</a:t>
             </a:fld>
             <a:endParaRPr kumimoji="1" lang="ja-JP" altLang="en-US"/>
           </a:p>
@@ -8444,7 +8444,7 @@
           <a:p>
             <a:fld id="{6D1BE616-48CE-4A97-9276-F0F53F5F87BD}" type="datetime1">
               <a:rPr kumimoji="1" lang="ja-JP" altLang="en-US" smtClean="0"/>
-              <a:t>2018/5/31</a:t>
+              <a:t>2018/6/5</a:t>
             </a:fld>
             <a:endParaRPr kumimoji="1" lang="ja-JP" altLang="en-US"/>
           </a:p>
@@ -8822,7 +8822,7 @@
           <a:p>
             <a:fld id="{24A5A1A9-107F-451C-8BA4-46179D70E0A7}" type="datetime1">
               <a:rPr lang="ja-JP" altLang="en-US" smtClean="0"/>
-              <a:t>2018/5/31</a:t>
+              <a:t>2018/6/5</a:t>
             </a:fld>
             <a:endParaRPr lang="ja-JP" altLang="en-US"/>
           </a:p>
@@ -9379,7 +9379,7 @@
           <a:p>
             <a:fld id="{7170581A-8A83-4BF1-B362-C67C103D747C}" type="datetime1">
               <a:rPr lang="ja-JP" altLang="en-US" smtClean="0"/>
-              <a:t>2018/5/31</a:t>
+              <a:t>2018/6/5</a:t>
             </a:fld>
             <a:endParaRPr lang="ja-JP" altLang="en-US"/>
           </a:p>
@@ -10476,7 +10476,7 @@
           <a:p>
             <a:fld id="{49692F1E-685E-40C6-A42B-8BC18A18F21A}" type="datetime1">
               <a:rPr kumimoji="1" lang="ja-JP" altLang="en-US" smtClean="0"/>
-              <a:t>2018/5/31</a:t>
+              <a:t>2018/6/5</a:t>
             </a:fld>
             <a:endParaRPr kumimoji="1" lang="ja-JP" altLang="en-US"/>
           </a:p>
@@ -10597,7 +10597,7 @@
           <a:p>
             <a:fld id="{5ADF1710-6306-4D7E-9276-861F0F5B15B3}" type="datetime1">
               <a:rPr lang="ja-JP" altLang="en-US" smtClean="0"/>
-              <a:t>2018/5/31</a:t>
+              <a:t>2018/6/5</a:t>
             </a:fld>
             <a:endParaRPr lang="ja-JP" altLang="en-US"/>
           </a:p>
@@ -16140,7 +16140,7 @@
           <a:p>
             <a:fld id="{5ADF1710-6306-4D7E-9276-861F0F5B15B3}" type="datetime1">
               <a:rPr lang="ja-JP" altLang="en-US" smtClean="0"/>
-              <a:t>2018/5/31</a:t>
+              <a:t>2018/6/5</a:t>
             </a:fld>
             <a:endParaRPr lang="ja-JP" altLang="en-US"/>
           </a:p>
@@ -16940,7 +16940,7 @@
         </p:nvGrpSpPr>
         <p:grpSpPr>
           <a:xfrm>
-            <a:off x="289330" y="4186163"/>
+            <a:off x="289330" y="4656431"/>
             <a:ext cx="2160000" cy="934436"/>
             <a:chOff x="144665" y="525617"/>
             <a:chExt cx="1080000" cy="467218"/>
@@ -17075,7 +17075,7 @@
         </p:nvGrpSpPr>
         <p:grpSpPr>
           <a:xfrm>
-            <a:off x="617232" y="5330223"/>
+            <a:off x="617232" y="5800491"/>
             <a:ext cx="539448" cy="487368"/>
             <a:chOff x="400056" y="1061560"/>
             <a:chExt cx="269724" cy="243684"/>
@@ -17198,7 +17198,7 @@
         </p:nvSpPr>
         <p:spPr>
           <a:xfrm>
-            <a:off x="571049" y="4356736"/>
+            <a:off x="571049" y="4827004"/>
             <a:ext cx="17302163" cy="1403350"/>
           </a:xfrm>
           <a:prstGeom prst="rect">
@@ -17397,7 +17397,7 @@
         </p:nvSpPr>
         <p:spPr>
           <a:xfrm>
-            <a:off x="1254486" y="5257598"/>
+            <a:off x="1254486" y="5727866"/>
             <a:ext cx="17551674" cy="1721508"/>
           </a:xfrm>
           <a:prstGeom prst="rect">
@@ -17610,7 +17610,7 @@
         </p:nvGrpSpPr>
         <p:grpSpPr>
           <a:xfrm>
-            <a:off x="289330" y="6411315"/>
+            <a:off x="289330" y="6881583"/>
             <a:ext cx="2160000" cy="934436"/>
             <a:chOff x="144665" y="525617"/>
             <a:chExt cx="1080000" cy="467218"/>
@@ -17745,7 +17745,7 @@
         </p:nvGrpSpPr>
         <p:grpSpPr>
           <a:xfrm>
-            <a:off x="617232" y="7555375"/>
+            <a:off x="617232" y="8025643"/>
             <a:ext cx="539448" cy="487368"/>
             <a:chOff x="400056" y="1061560"/>
             <a:chExt cx="269724" cy="243684"/>
@@ -17868,7 +17868,7 @@
         </p:nvSpPr>
         <p:spPr>
           <a:xfrm>
-            <a:off x="571049" y="6581888"/>
+            <a:off x="571049" y="7052156"/>
             <a:ext cx="17302163" cy="1403350"/>
           </a:xfrm>
           <a:prstGeom prst="rect">
@@ -18067,7 +18067,7 @@
         </p:nvSpPr>
         <p:spPr>
           <a:xfrm>
-            <a:off x="1254486" y="7482750"/>
+            <a:off x="1254486" y="7953018"/>
             <a:ext cx="17551674" cy="1721508"/>
           </a:xfrm>
           <a:prstGeom prst="rect">
@@ -18303,7 +18303,7 @@
           <a:p>
             <a:fld id="{5ADF1710-6306-4D7E-9276-861F0F5B15B3}" type="datetime1">
               <a:rPr lang="ja-JP" altLang="en-US" smtClean="0"/>
-              <a:t>2018/5/31</a:t>
+              <a:t>2018/6/5</a:t>
             </a:fld>
             <a:endParaRPr lang="ja-JP" altLang="en-US"/>
           </a:p>
@@ -18483,7 +18483,7 @@
           <a:p>
             <a:fld id="{5ADF1710-6306-4D7E-9276-861F0F5B15B3}" type="datetime1">
               <a:rPr lang="ja-JP" altLang="en-US" smtClean="0"/>
-              <a:t>2018/5/31</a:t>
+              <a:t>2018/6/5</a:t>
             </a:fld>
             <a:endParaRPr lang="ja-JP" altLang="en-US"/>
           </a:p>
@@ -18663,7 +18663,7 @@
           <a:p>
             <a:fld id="{E814C0C4-870B-458D-94EE-6C0DC939FBD8}" type="datetime1">
               <a:rPr lang="ja-JP" altLang="en-US" smtClean="0"/>
-              <a:t>2018/5/31</a:t>
+              <a:t>2018/6/5</a:t>
             </a:fld>
             <a:endParaRPr lang="ja-JP" altLang="en-US"/>
           </a:p>
@@ -21328,7 +21328,7 @@
           <a:p>
             <a:fld id="{E814C0C4-870B-458D-94EE-6C0DC939FBD8}" type="datetime1">
               <a:rPr lang="ja-JP" altLang="en-US" smtClean="0"/>
-              <a:t>2018/5/31</a:t>
+              <a:t>2018/6/5</a:t>
             </a:fld>
             <a:endParaRPr lang="ja-JP" altLang="en-US"/>
           </a:p>
@@ -26211,7 +26211,7 @@
           <a:p>
             <a:fld id="{E814C0C4-870B-458D-94EE-6C0DC939FBD8}" type="datetime1">
               <a:rPr lang="ja-JP" altLang="en-US" smtClean="0"/>
-              <a:t>2018/5/31</a:t>
+              <a:t>2018/6/5</a:t>
             </a:fld>
             <a:endParaRPr lang="ja-JP" altLang="en-US"/>
           </a:p>
@@ -29560,7 +29560,7 @@
           <a:p>
             <a:fld id="{26481851-F70A-4A51-BC98-3D89606D8F0E}" type="datetime1">
               <a:rPr lang="ja-JP" altLang="en-US" smtClean="0"/>
-              <a:t>2018/5/31</a:t>
+              <a:t>2018/6/5</a:t>
             </a:fld>
             <a:endParaRPr lang="ja-JP" altLang="en-US"/>
           </a:p>
